--- a/images/record/OpenStack_Newton_Install_Ubuntu16.04/OpenStack_Newton_Install.pptx
+++ b/images/record/OpenStack_Newton_Install_Ubuntu16.04/OpenStack_Newton_Install.pptx
@@ -109,7 +109,7 @@
   </p:defaultTextStyle>
   <p:extLst>
     <p:ext uri="{EFAFB233-063F-42B5-8137-9DF3F51BA10A}">
-      <p15:sldGuideLst xmlns="" xmlns:p15="http://schemas.microsoft.com/office/powerpoint/2012/main">
+      <p15:sldGuideLst xmlns:p15="http://schemas.microsoft.com/office/powerpoint/2012/main">
         <p15:guide id="1" orient="horz" pos="2160">
           <p15:clr>
             <a:srgbClr val="A4A3A4"/>
@@ -213,7 +213,7 @@
           <a:p>
             <a:fld id="{6CD5550B-26C4-49A9-A5BA-636EF7BE6CE9}" type="datetimeFigureOut">
               <a:rPr lang="ko-KR" altLang="en-US" smtClean="0"/>
-              <a:t>2017-07-12</a:t>
+              <a:t>2018-11-25</a:t>
             </a:fld>
             <a:endParaRPr lang="ko-KR" altLang="en-US"/>
           </a:p>
@@ -277,38 +277,37 @@
           <a:p>
             <a:pPr lvl="0"/>
             <a:r>
-              <a:rPr lang="ko-KR" altLang="en-US" smtClean="0"/>
+              <a:rPr lang="ko-KR" altLang="en-US"/>
               <a:t>마스터 텍스트 스타일을 편집합니다</a:t>
             </a:r>
           </a:p>
           <a:p>
             <a:pPr lvl="1"/>
             <a:r>
-              <a:rPr lang="ko-KR" altLang="en-US" smtClean="0"/>
+              <a:rPr lang="ko-KR" altLang="en-US"/>
               <a:t>둘째 수준</a:t>
             </a:r>
           </a:p>
           <a:p>
             <a:pPr lvl="2"/>
             <a:r>
-              <a:rPr lang="ko-KR" altLang="en-US" smtClean="0"/>
+              <a:rPr lang="ko-KR" altLang="en-US"/>
               <a:t>셋째 수준</a:t>
             </a:r>
           </a:p>
           <a:p>
             <a:pPr lvl="3"/>
             <a:r>
-              <a:rPr lang="ko-KR" altLang="en-US" smtClean="0"/>
+              <a:rPr lang="ko-KR" altLang="en-US"/>
               <a:t>넷째 수준</a:t>
             </a:r>
           </a:p>
           <a:p>
             <a:pPr lvl="4"/>
             <a:r>
-              <a:rPr lang="ko-KR" altLang="en-US" smtClean="0"/>
+              <a:rPr lang="ko-KR" altLang="en-US"/>
               <a:t>다섯째 수준</a:t>
             </a:r>
-            <a:endParaRPr lang="ko-KR" altLang="en-US"/>
           </a:p>
         </p:txBody>
       </p:sp>
@@ -603,10 +602,9 @@
           <a:lstStyle/>
           <a:p>
             <a:r>
-              <a:rPr lang="ko-KR" altLang="en-US" smtClean="0"/>
+              <a:rPr lang="ko-KR" altLang="en-US"/>
               <a:t>마스터 제목 스타일 편집</a:t>
             </a:r>
-            <a:endParaRPr lang="ko-KR" altLang="en-US"/>
           </a:p>
         </p:txBody>
       </p:sp>
@@ -722,10 +720,9 @@
           </a:lstStyle>
           <a:p>
             <a:r>
-              <a:rPr lang="ko-KR" altLang="en-US" smtClean="0"/>
+              <a:rPr lang="ko-KR" altLang="en-US"/>
               <a:t>마스터 부제목 스타일 편집</a:t>
             </a:r>
-            <a:endParaRPr lang="ko-KR" altLang="en-US"/>
           </a:p>
         </p:txBody>
       </p:sp>
@@ -746,7 +743,7 @@
           <a:p>
             <a:fld id="{FB30EDBD-1C2D-4C1E-B459-B60219FAB484}" type="datetimeFigureOut">
               <a:rPr lang="ko-KR" altLang="en-US" smtClean="0"/>
-              <a:t>2017-07-12</a:t>
+              <a:t>2018-11-25</a:t>
             </a:fld>
             <a:endParaRPr lang="ko-KR" altLang="en-US"/>
           </a:p>
@@ -835,10 +832,9 @@
           <a:lstStyle/>
           <a:p>
             <a:r>
-              <a:rPr lang="ko-KR" altLang="en-US" smtClean="0"/>
+              <a:rPr lang="ko-KR" altLang="en-US"/>
               <a:t>마스터 제목 스타일 편집</a:t>
             </a:r>
-            <a:endParaRPr lang="ko-KR" altLang="en-US"/>
           </a:p>
         </p:txBody>
       </p:sp>
@@ -859,38 +855,37 @@
           <a:p>
             <a:pPr lvl="0"/>
             <a:r>
-              <a:rPr lang="ko-KR" altLang="en-US" smtClean="0"/>
+              <a:rPr lang="ko-KR" altLang="en-US"/>
               <a:t>마스터 텍스트 스타일을 편집합니다</a:t>
             </a:r>
           </a:p>
           <a:p>
             <a:pPr lvl="1"/>
             <a:r>
-              <a:rPr lang="ko-KR" altLang="en-US" smtClean="0"/>
+              <a:rPr lang="ko-KR" altLang="en-US"/>
               <a:t>둘째 수준</a:t>
             </a:r>
           </a:p>
           <a:p>
             <a:pPr lvl="2"/>
             <a:r>
-              <a:rPr lang="ko-KR" altLang="en-US" smtClean="0"/>
+              <a:rPr lang="ko-KR" altLang="en-US"/>
               <a:t>셋째 수준</a:t>
             </a:r>
           </a:p>
           <a:p>
             <a:pPr lvl="3"/>
             <a:r>
-              <a:rPr lang="ko-KR" altLang="en-US" smtClean="0"/>
+              <a:rPr lang="ko-KR" altLang="en-US"/>
               <a:t>넷째 수준</a:t>
             </a:r>
           </a:p>
           <a:p>
             <a:pPr lvl="4"/>
             <a:r>
-              <a:rPr lang="ko-KR" altLang="en-US" smtClean="0"/>
+              <a:rPr lang="ko-KR" altLang="en-US"/>
               <a:t>다섯째 수준</a:t>
             </a:r>
-            <a:endParaRPr lang="ko-KR" altLang="en-US"/>
           </a:p>
         </p:txBody>
       </p:sp>
@@ -911,7 +906,7 @@
           <a:p>
             <a:fld id="{FB30EDBD-1C2D-4C1E-B459-B60219FAB484}" type="datetimeFigureOut">
               <a:rPr lang="ko-KR" altLang="en-US" smtClean="0"/>
-              <a:t>2017-07-12</a:t>
+              <a:t>2018-11-25</a:t>
             </a:fld>
             <a:endParaRPr lang="ko-KR" altLang="en-US"/>
           </a:p>
@@ -1005,10 +1000,9 @@
           <a:lstStyle/>
           <a:p>
             <a:r>
-              <a:rPr lang="ko-KR" altLang="en-US" smtClean="0"/>
+              <a:rPr lang="ko-KR" altLang="en-US"/>
               <a:t>마스터 제목 스타일 편집</a:t>
             </a:r>
-            <a:endParaRPr lang="ko-KR" altLang="en-US"/>
           </a:p>
         </p:txBody>
       </p:sp>
@@ -1034,38 +1028,37 @@
           <a:p>
             <a:pPr lvl="0"/>
             <a:r>
-              <a:rPr lang="ko-KR" altLang="en-US" smtClean="0"/>
+              <a:rPr lang="ko-KR" altLang="en-US"/>
               <a:t>마스터 텍스트 스타일을 편집합니다</a:t>
             </a:r>
           </a:p>
           <a:p>
             <a:pPr lvl="1"/>
             <a:r>
-              <a:rPr lang="ko-KR" altLang="en-US" smtClean="0"/>
+              <a:rPr lang="ko-KR" altLang="en-US"/>
               <a:t>둘째 수준</a:t>
             </a:r>
           </a:p>
           <a:p>
             <a:pPr lvl="2"/>
             <a:r>
-              <a:rPr lang="ko-KR" altLang="en-US" smtClean="0"/>
+              <a:rPr lang="ko-KR" altLang="en-US"/>
               <a:t>셋째 수준</a:t>
             </a:r>
           </a:p>
           <a:p>
             <a:pPr lvl="3"/>
             <a:r>
-              <a:rPr lang="ko-KR" altLang="en-US" smtClean="0"/>
+              <a:rPr lang="ko-KR" altLang="en-US"/>
               <a:t>넷째 수준</a:t>
             </a:r>
           </a:p>
           <a:p>
             <a:pPr lvl="4"/>
             <a:r>
-              <a:rPr lang="ko-KR" altLang="en-US" smtClean="0"/>
+              <a:rPr lang="ko-KR" altLang="en-US"/>
               <a:t>다섯째 수준</a:t>
             </a:r>
-            <a:endParaRPr lang="ko-KR" altLang="en-US"/>
           </a:p>
         </p:txBody>
       </p:sp>
@@ -1086,7 +1079,7 @@
           <a:p>
             <a:fld id="{FB30EDBD-1C2D-4C1E-B459-B60219FAB484}" type="datetimeFigureOut">
               <a:rPr lang="ko-KR" altLang="en-US" smtClean="0"/>
-              <a:t>2017-07-12</a:t>
+              <a:t>2018-11-25</a:t>
             </a:fld>
             <a:endParaRPr lang="ko-KR" altLang="en-US"/>
           </a:p>
@@ -1175,10 +1168,9 @@
           <a:lstStyle/>
           <a:p>
             <a:r>
-              <a:rPr lang="ko-KR" altLang="en-US" smtClean="0"/>
+              <a:rPr lang="ko-KR" altLang="en-US"/>
               <a:t>마스터 제목 스타일 편집</a:t>
             </a:r>
-            <a:endParaRPr lang="ko-KR" altLang="en-US"/>
           </a:p>
         </p:txBody>
       </p:sp>
@@ -1199,38 +1191,37 @@
           <a:p>
             <a:pPr lvl="0"/>
             <a:r>
-              <a:rPr lang="ko-KR" altLang="en-US" smtClean="0"/>
+              <a:rPr lang="ko-KR" altLang="en-US"/>
               <a:t>마스터 텍스트 스타일을 편집합니다</a:t>
             </a:r>
           </a:p>
           <a:p>
             <a:pPr lvl="1"/>
             <a:r>
-              <a:rPr lang="ko-KR" altLang="en-US" smtClean="0"/>
+              <a:rPr lang="ko-KR" altLang="en-US"/>
               <a:t>둘째 수준</a:t>
             </a:r>
           </a:p>
           <a:p>
             <a:pPr lvl="2"/>
             <a:r>
-              <a:rPr lang="ko-KR" altLang="en-US" smtClean="0"/>
+              <a:rPr lang="ko-KR" altLang="en-US"/>
               <a:t>셋째 수준</a:t>
             </a:r>
           </a:p>
           <a:p>
             <a:pPr lvl="3"/>
             <a:r>
-              <a:rPr lang="ko-KR" altLang="en-US" smtClean="0"/>
+              <a:rPr lang="ko-KR" altLang="en-US"/>
               <a:t>넷째 수준</a:t>
             </a:r>
           </a:p>
           <a:p>
             <a:pPr lvl="4"/>
             <a:r>
-              <a:rPr lang="ko-KR" altLang="en-US" smtClean="0"/>
+              <a:rPr lang="ko-KR" altLang="en-US"/>
               <a:t>다섯째 수준</a:t>
             </a:r>
-            <a:endParaRPr lang="ko-KR" altLang="en-US"/>
           </a:p>
         </p:txBody>
       </p:sp>
@@ -1251,7 +1242,7 @@
           <a:p>
             <a:fld id="{FB30EDBD-1C2D-4C1E-B459-B60219FAB484}" type="datetimeFigureOut">
               <a:rPr lang="ko-KR" altLang="en-US" smtClean="0"/>
-              <a:t>2017-07-12</a:t>
+              <a:t>2018-11-25</a:t>
             </a:fld>
             <a:endParaRPr lang="ko-KR" altLang="en-US"/>
           </a:p>
@@ -1304,13 +1295,6 @@
   <p:clrMapOvr>
     <a:masterClrMapping/>
   </p:clrMapOvr>
-  <p:timing>
-    <p:tnLst>
-      <p:par>
-        <p:cTn id="1" dur="indefinite" restart="never" nodeType="tmRoot"/>
-      </p:par>
-    </p:tnLst>
-  </p:timing>
 </p:sldLayout>
 </file>
 
@@ -1356,10 +1340,9 @@
           </a:lstStyle>
           <a:p>
             <a:r>
-              <a:rPr lang="ko-KR" altLang="en-US" smtClean="0"/>
+              <a:rPr lang="ko-KR" altLang="en-US"/>
               <a:t>마스터 제목 스타일 편집</a:t>
             </a:r>
-            <a:endParaRPr lang="ko-KR" altLang="en-US"/>
           </a:p>
         </p:txBody>
       </p:sp>
@@ -1476,7 +1459,7 @@
           <a:p>
             <a:pPr lvl="0"/>
             <a:r>
-              <a:rPr lang="ko-KR" altLang="en-US" smtClean="0"/>
+              <a:rPr lang="ko-KR" altLang="en-US"/>
               <a:t>마스터 텍스트 스타일을 편집합니다</a:t>
             </a:r>
           </a:p>
@@ -1499,7 +1482,7 @@
           <a:p>
             <a:fld id="{FB30EDBD-1C2D-4C1E-B459-B60219FAB484}" type="datetimeFigureOut">
               <a:rPr lang="ko-KR" altLang="en-US" smtClean="0"/>
-              <a:t>2017-07-12</a:t>
+              <a:t>2018-11-25</a:t>
             </a:fld>
             <a:endParaRPr lang="ko-KR" altLang="en-US"/>
           </a:p>
@@ -1588,10 +1571,9 @@
           <a:lstStyle/>
           <a:p>
             <a:r>
-              <a:rPr lang="ko-KR" altLang="en-US" smtClean="0"/>
+              <a:rPr lang="ko-KR" altLang="en-US"/>
               <a:t>마스터 제목 스타일 편집</a:t>
             </a:r>
-            <a:endParaRPr lang="ko-KR" altLang="en-US"/>
           </a:p>
         </p:txBody>
       </p:sp>
@@ -1645,38 +1627,37 @@
           <a:p>
             <a:pPr lvl="0"/>
             <a:r>
-              <a:rPr lang="ko-KR" altLang="en-US" smtClean="0"/>
+              <a:rPr lang="ko-KR" altLang="en-US"/>
               <a:t>마스터 텍스트 스타일을 편집합니다</a:t>
             </a:r>
           </a:p>
           <a:p>
             <a:pPr lvl="1"/>
             <a:r>
-              <a:rPr lang="ko-KR" altLang="en-US" smtClean="0"/>
+              <a:rPr lang="ko-KR" altLang="en-US"/>
               <a:t>둘째 수준</a:t>
             </a:r>
           </a:p>
           <a:p>
             <a:pPr lvl="2"/>
             <a:r>
-              <a:rPr lang="ko-KR" altLang="en-US" smtClean="0"/>
+              <a:rPr lang="ko-KR" altLang="en-US"/>
               <a:t>셋째 수준</a:t>
             </a:r>
           </a:p>
           <a:p>
             <a:pPr lvl="3"/>
             <a:r>
-              <a:rPr lang="ko-KR" altLang="en-US" smtClean="0"/>
+              <a:rPr lang="ko-KR" altLang="en-US"/>
               <a:t>넷째 수준</a:t>
             </a:r>
           </a:p>
           <a:p>
             <a:pPr lvl="4"/>
             <a:r>
-              <a:rPr lang="ko-KR" altLang="en-US" smtClean="0"/>
+              <a:rPr lang="ko-KR" altLang="en-US"/>
               <a:t>다섯째 수준</a:t>
             </a:r>
-            <a:endParaRPr lang="ko-KR" altLang="en-US"/>
           </a:p>
         </p:txBody>
       </p:sp>
@@ -1730,38 +1711,37 @@
           <a:p>
             <a:pPr lvl="0"/>
             <a:r>
-              <a:rPr lang="ko-KR" altLang="en-US" smtClean="0"/>
+              <a:rPr lang="ko-KR" altLang="en-US"/>
               <a:t>마스터 텍스트 스타일을 편집합니다</a:t>
             </a:r>
           </a:p>
           <a:p>
             <a:pPr lvl="1"/>
             <a:r>
-              <a:rPr lang="ko-KR" altLang="en-US" smtClean="0"/>
+              <a:rPr lang="ko-KR" altLang="en-US"/>
               <a:t>둘째 수준</a:t>
             </a:r>
           </a:p>
           <a:p>
             <a:pPr lvl="2"/>
             <a:r>
-              <a:rPr lang="ko-KR" altLang="en-US" smtClean="0"/>
+              <a:rPr lang="ko-KR" altLang="en-US"/>
               <a:t>셋째 수준</a:t>
             </a:r>
           </a:p>
           <a:p>
             <a:pPr lvl="3"/>
             <a:r>
-              <a:rPr lang="ko-KR" altLang="en-US" smtClean="0"/>
+              <a:rPr lang="ko-KR" altLang="en-US"/>
               <a:t>넷째 수준</a:t>
             </a:r>
           </a:p>
           <a:p>
             <a:pPr lvl="4"/>
             <a:r>
-              <a:rPr lang="ko-KR" altLang="en-US" smtClean="0"/>
+              <a:rPr lang="ko-KR" altLang="en-US"/>
               <a:t>다섯째 수준</a:t>
             </a:r>
-            <a:endParaRPr lang="ko-KR" altLang="en-US"/>
           </a:p>
         </p:txBody>
       </p:sp>
@@ -1782,7 +1762,7 @@
           <a:p>
             <a:fld id="{FB30EDBD-1C2D-4C1E-B459-B60219FAB484}" type="datetimeFigureOut">
               <a:rPr lang="ko-KR" altLang="en-US" smtClean="0"/>
-              <a:t>2017-07-12</a:t>
+              <a:t>2018-11-25</a:t>
             </a:fld>
             <a:endParaRPr lang="ko-KR" altLang="en-US"/>
           </a:p>
@@ -1875,10 +1855,9 @@
           </a:lstStyle>
           <a:p>
             <a:r>
-              <a:rPr lang="ko-KR" altLang="en-US" smtClean="0"/>
+              <a:rPr lang="ko-KR" altLang="en-US"/>
               <a:t>마스터 제목 스타일 편집</a:t>
             </a:r>
-            <a:endParaRPr lang="ko-KR" altLang="en-US"/>
           </a:p>
         </p:txBody>
       </p:sp>
@@ -1941,7 +1920,7 @@
           <a:p>
             <a:pPr lvl="0"/>
             <a:r>
-              <a:rPr lang="ko-KR" altLang="en-US" smtClean="0"/>
+              <a:rPr lang="ko-KR" altLang="en-US"/>
               <a:t>마스터 텍스트 스타일을 편집합니다</a:t>
             </a:r>
           </a:p>
@@ -1997,38 +1976,37 @@
           <a:p>
             <a:pPr lvl="0"/>
             <a:r>
-              <a:rPr lang="ko-KR" altLang="en-US" smtClean="0"/>
+              <a:rPr lang="ko-KR" altLang="en-US"/>
               <a:t>마스터 텍스트 스타일을 편집합니다</a:t>
             </a:r>
           </a:p>
           <a:p>
             <a:pPr lvl="1"/>
             <a:r>
-              <a:rPr lang="ko-KR" altLang="en-US" smtClean="0"/>
+              <a:rPr lang="ko-KR" altLang="en-US"/>
               <a:t>둘째 수준</a:t>
             </a:r>
           </a:p>
           <a:p>
             <a:pPr lvl="2"/>
             <a:r>
-              <a:rPr lang="ko-KR" altLang="en-US" smtClean="0"/>
+              <a:rPr lang="ko-KR" altLang="en-US"/>
               <a:t>셋째 수준</a:t>
             </a:r>
           </a:p>
           <a:p>
             <a:pPr lvl="3"/>
             <a:r>
-              <a:rPr lang="ko-KR" altLang="en-US" smtClean="0"/>
+              <a:rPr lang="ko-KR" altLang="en-US"/>
               <a:t>넷째 수준</a:t>
             </a:r>
           </a:p>
           <a:p>
             <a:pPr lvl="4"/>
             <a:r>
-              <a:rPr lang="ko-KR" altLang="en-US" smtClean="0"/>
+              <a:rPr lang="ko-KR" altLang="en-US"/>
               <a:t>다섯째 수준</a:t>
             </a:r>
-            <a:endParaRPr lang="ko-KR" altLang="en-US"/>
           </a:p>
         </p:txBody>
       </p:sp>
@@ -2091,7 +2069,7 @@
           <a:p>
             <a:pPr lvl="0"/>
             <a:r>
-              <a:rPr lang="ko-KR" altLang="en-US" smtClean="0"/>
+              <a:rPr lang="ko-KR" altLang="en-US"/>
               <a:t>마스터 텍스트 스타일을 편집합니다</a:t>
             </a:r>
           </a:p>
@@ -2147,38 +2125,37 @@
           <a:p>
             <a:pPr lvl="0"/>
             <a:r>
-              <a:rPr lang="ko-KR" altLang="en-US" smtClean="0"/>
+              <a:rPr lang="ko-KR" altLang="en-US"/>
               <a:t>마스터 텍스트 스타일을 편집합니다</a:t>
             </a:r>
           </a:p>
           <a:p>
             <a:pPr lvl="1"/>
             <a:r>
-              <a:rPr lang="ko-KR" altLang="en-US" smtClean="0"/>
+              <a:rPr lang="ko-KR" altLang="en-US"/>
               <a:t>둘째 수준</a:t>
             </a:r>
           </a:p>
           <a:p>
             <a:pPr lvl="2"/>
             <a:r>
-              <a:rPr lang="ko-KR" altLang="en-US" smtClean="0"/>
+              <a:rPr lang="ko-KR" altLang="en-US"/>
               <a:t>셋째 수준</a:t>
             </a:r>
           </a:p>
           <a:p>
             <a:pPr lvl="3"/>
             <a:r>
-              <a:rPr lang="ko-KR" altLang="en-US" smtClean="0"/>
+              <a:rPr lang="ko-KR" altLang="en-US"/>
               <a:t>넷째 수준</a:t>
             </a:r>
           </a:p>
           <a:p>
             <a:pPr lvl="4"/>
             <a:r>
-              <a:rPr lang="ko-KR" altLang="en-US" smtClean="0"/>
+              <a:rPr lang="ko-KR" altLang="en-US"/>
               <a:t>다섯째 수준</a:t>
             </a:r>
-            <a:endParaRPr lang="ko-KR" altLang="en-US"/>
           </a:p>
         </p:txBody>
       </p:sp>
@@ -2199,7 +2176,7 @@
           <a:p>
             <a:fld id="{FB30EDBD-1C2D-4C1E-B459-B60219FAB484}" type="datetimeFigureOut">
               <a:rPr lang="ko-KR" altLang="en-US" smtClean="0"/>
-              <a:t>2017-07-12</a:t>
+              <a:t>2018-11-25</a:t>
             </a:fld>
             <a:endParaRPr lang="ko-KR" altLang="en-US"/>
           </a:p>
@@ -2288,10 +2265,9 @@
           <a:lstStyle/>
           <a:p>
             <a:r>
-              <a:rPr lang="ko-KR" altLang="en-US" smtClean="0"/>
+              <a:rPr lang="ko-KR" altLang="en-US"/>
               <a:t>마스터 제목 스타일 편집</a:t>
             </a:r>
-            <a:endParaRPr lang="ko-KR" altLang="en-US"/>
           </a:p>
         </p:txBody>
       </p:sp>
@@ -2312,7 +2288,7 @@
           <a:p>
             <a:fld id="{FB30EDBD-1C2D-4C1E-B459-B60219FAB484}" type="datetimeFigureOut">
               <a:rPr lang="ko-KR" altLang="en-US" smtClean="0"/>
-              <a:t>2017-07-12</a:t>
+              <a:t>2018-11-25</a:t>
             </a:fld>
             <a:endParaRPr lang="ko-KR" altLang="en-US"/>
           </a:p>
@@ -2402,7 +2378,7 @@
           <a:p>
             <a:fld id="{FB30EDBD-1C2D-4C1E-B459-B60219FAB484}" type="datetimeFigureOut">
               <a:rPr lang="ko-KR" altLang="en-US" smtClean="0"/>
-              <a:t>2017-07-12</a:t>
+              <a:t>2018-11-25</a:t>
             </a:fld>
             <a:endParaRPr lang="ko-KR" altLang="en-US"/>
           </a:p>
@@ -2500,10 +2476,9 @@
           </a:lstStyle>
           <a:p>
             <a:r>
-              <a:rPr lang="ko-KR" altLang="en-US" smtClean="0"/>
+              <a:rPr lang="ko-KR" altLang="en-US"/>
               <a:t>마스터 제목 스타일 편집</a:t>
             </a:r>
-            <a:endParaRPr lang="ko-KR" altLang="en-US"/>
           </a:p>
         </p:txBody>
       </p:sp>
@@ -2557,38 +2532,37 @@
           <a:p>
             <a:pPr lvl="0"/>
             <a:r>
-              <a:rPr lang="ko-KR" altLang="en-US" smtClean="0"/>
+              <a:rPr lang="ko-KR" altLang="en-US"/>
               <a:t>마스터 텍스트 스타일을 편집합니다</a:t>
             </a:r>
           </a:p>
           <a:p>
             <a:pPr lvl="1"/>
             <a:r>
-              <a:rPr lang="ko-KR" altLang="en-US" smtClean="0"/>
+              <a:rPr lang="ko-KR" altLang="en-US"/>
               <a:t>둘째 수준</a:t>
             </a:r>
           </a:p>
           <a:p>
             <a:pPr lvl="2"/>
             <a:r>
-              <a:rPr lang="ko-KR" altLang="en-US" smtClean="0"/>
+              <a:rPr lang="ko-KR" altLang="en-US"/>
               <a:t>셋째 수준</a:t>
             </a:r>
           </a:p>
           <a:p>
             <a:pPr lvl="3"/>
             <a:r>
-              <a:rPr lang="ko-KR" altLang="en-US" smtClean="0"/>
+              <a:rPr lang="ko-KR" altLang="en-US"/>
               <a:t>넷째 수준</a:t>
             </a:r>
           </a:p>
           <a:p>
             <a:pPr lvl="4"/>
             <a:r>
-              <a:rPr lang="ko-KR" altLang="en-US" smtClean="0"/>
+              <a:rPr lang="ko-KR" altLang="en-US"/>
               <a:t>다섯째 수준</a:t>
             </a:r>
-            <a:endParaRPr lang="ko-KR" altLang="en-US"/>
           </a:p>
         </p:txBody>
       </p:sp>
@@ -2651,7 +2625,7 @@
           <a:p>
             <a:pPr lvl="0"/>
             <a:r>
-              <a:rPr lang="ko-KR" altLang="en-US" smtClean="0"/>
+              <a:rPr lang="ko-KR" altLang="en-US"/>
               <a:t>마스터 텍스트 스타일을 편집합니다</a:t>
             </a:r>
           </a:p>
@@ -2674,7 +2648,7 @@
           <a:p>
             <a:fld id="{FB30EDBD-1C2D-4C1E-B459-B60219FAB484}" type="datetimeFigureOut">
               <a:rPr lang="ko-KR" altLang="en-US" smtClean="0"/>
-              <a:t>2017-07-12</a:t>
+              <a:t>2018-11-25</a:t>
             </a:fld>
             <a:endParaRPr lang="ko-KR" altLang="en-US"/>
           </a:p>
@@ -2772,10 +2746,9 @@
           </a:lstStyle>
           <a:p>
             <a:r>
-              <a:rPr lang="ko-KR" altLang="en-US" smtClean="0"/>
+              <a:rPr lang="ko-KR" altLang="en-US"/>
               <a:t>마스터 제목 스타일 편집</a:t>
             </a:r>
-            <a:endParaRPr lang="ko-KR" altLang="en-US"/>
           </a:p>
         </p:txBody>
       </p:sp>
@@ -2899,7 +2872,7 @@
           <a:p>
             <a:pPr lvl="0"/>
             <a:r>
-              <a:rPr lang="ko-KR" altLang="en-US" smtClean="0"/>
+              <a:rPr lang="ko-KR" altLang="en-US"/>
               <a:t>마스터 텍스트 스타일을 편집합니다</a:t>
             </a:r>
           </a:p>
@@ -2922,7 +2895,7 @@
           <a:p>
             <a:fld id="{FB30EDBD-1C2D-4C1E-B459-B60219FAB484}" type="datetimeFigureOut">
               <a:rPr lang="ko-KR" altLang="en-US" smtClean="0"/>
-              <a:t>2017-07-12</a:t>
+              <a:t>2018-11-25</a:t>
             </a:fld>
             <a:endParaRPr lang="ko-KR" altLang="en-US"/>
           </a:p>
@@ -3026,10 +2999,9 @@
           <a:lstStyle/>
           <a:p>
             <a:r>
-              <a:rPr lang="ko-KR" altLang="en-US" smtClean="0"/>
+              <a:rPr lang="ko-KR" altLang="en-US"/>
               <a:t>마스터 제목 스타일 편집</a:t>
             </a:r>
-            <a:endParaRPr lang="ko-KR" altLang="en-US"/>
           </a:p>
         </p:txBody>
       </p:sp>
@@ -3060,38 +3032,37 @@
           <a:p>
             <a:pPr lvl="0"/>
             <a:r>
-              <a:rPr lang="ko-KR" altLang="en-US" smtClean="0"/>
+              <a:rPr lang="ko-KR" altLang="en-US"/>
               <a:t>마스터 텍스트 스타일을 편집합니다</a:t>
             </a:r>
           </a:p>
           <a:p>
             <a:pPr lvl="1"/>
             <a:r>
-              <a:rPr lang="ko-KR" altLang="en-US" smtClean="0"/>
+              <a:rPr lang="ko-KR" altLang="en-US"/>
               <a:t>둘째 수준</a:t>
             </a:r>
           </a:p>
           <a:p>
             <a:pPr lvl="2"/>
             <a:r>
-              <a:rPr lang="ko-KR" altLang="en-US" smtClean="0"/>
+              <a:rPr lang="ko-KR" altLang="en-US"/>
               <a:t>셋째 수준</a:t>
             </a:r>
           </a:p>
           <a:p>
             <a:pPr lvl="3"/>
             <a:r>
-              <a:rPr lang="ko-KR" altLang="en-US" smtClean="0"/>
+              <a:rPr lang="ko-KR" altLang="en-US"/>
               <a:t>넷째 수준</a:t>
             </a:r>
           </a:p>
           <a:p>
             <a:pPr lvl="4"/>
             <a:r>
-              <a:rPr lang="ko-KR" altLang="en-US" smtClean="0"/>
+              <a:rPr lang="ko-KR" altLang="en-US"/>
               <a:t>다섯째 수준</a:t>
             </a:r>
-            <a:endParaRPr lang="ko-KR" altLang="en-US"/>
           </a:p>
         </p:txBody>
       </p:sp>
@@ -3130,7 +3101,7 @@
           <a:p>
             <a:fld id="{FB30EDBD-1C2D-4C1E-B459-B60219FAB484}" type="datetimeFigureOut">
               <a:rPr lang="ko-KR" altLang="en-US" smtClean="0"/>
-              <a:t>2017-07-12</a:t>
+              <a:t>2018-11-25</a:t>
             </a:fld>
             <a:endParaRPr lang="ko-KR" altLang="en-US"/>
           </a:p>
@@ -3523,7 +3494,7 @@
           <a:lstStyle/>
           <a:p>
             <a:r>
-              <a:rPr lang="en-US" altLang="ko-KR" dirty="0" smtClean="0"/>
+              <a:rPr lang="en-US" altLang="ko-KR" dirty="0"/>
               <a:t>Environment</a:t>
             </a:r>
             <a:endParaRPr lang="ko-KR" altLang="en-US" dirty="0"/>
@@ -3568,34 +3539,31 @@
           <a:p>
             <a:pPr algn="ctr"/>
             <a:r>
-              <a:rPr lang="en-US" altLang="ko-KR" sz="1600" b="1" dirty="0" smtClean="0"/>
-              <a:t>Controller, Block Node </a:t>
-            </a:r>
+              <a:rPr lang="en-US" altLang="ko-KR" sz="1600" b="1"/>
+              <a:t>Controller Node </a:t>
+            </a:r>
+            <a:endParaRPr lang="en-US" altLang="ko-KR" sz="1600" b="1" dirty="0"/>
           </a:p>
           <a:p>
             <a:pPr algn="ctr"/>
             <a:r>
-              <a:rPr lang="en-US" altLang="ko-KR" sz="1600" b="1" dirty="0" smtClean="0"/>
+              <a:rPr lang="en-US" altLang="ko-KR" sz="1600" b="1" dirty="0"/>
               <a:t>(</a:t>
             </a:r>
             <a:r>
               <a:rPr lang="en-US" altLang="ko-KR" sz="1600" b="1" dirty="0" err="1"/>
-              <a:t>1</a:t>
-            </a:r>
-            <a:r>
-              <a:rPr lang="en-US" altLang="ko-KR" sz="1600" b="1" dirty="0" err="1" smtClean="0"/>
-              <a:t>vCPU</a:t>
-            </a:r>
-            <a:r>
-              <a:rPr lang="en-US" altLang="ko-KR" sz="1600" b="1" dirty="0" smtClean="0"/>
+              <a:t>1vCPU</a:t>
+            </a:r>
+            <a:r>
+              <a:rPr lang="en-US" altLang="ko-KR" sz="1600" b="1" dirty="0"/>
               <a:t>, </a:t>
             </a:r>
             <a:r>
-              <a:rPr lang="en-US" altLang="ko-KR" sz="1600" b="1" dirty="0" err="1" smtClean="0"/>
+              <a:rPr lang="en-US" altLang="ko-KR" sz="1600" b="1" dirty="0" err="1"/>
               <a:t>4096M</a:t>
             </a:r>
             <a:r>
-              <a:rPr lang="en-US" altLang="ko-KR" sz="1600" b="1" dirty="0" smtClean="0"/>
+              <a:rPr lang="en-US" altLang="ko-KR" sz="1600" b="1" dirty="0"/>
               <a:t>) </a:t>
             </a:r>
             <a:endParaRPr lang="ko-KR" altLang="en-US" sz="1600" dirty="0"/>
@@ -3640,15 +3608,15 @@
           <a:p>
             <a:pPr algn="ctr"/>
             <a:r>
-              <a:rPr lang="en-US" altLang="ko-KR" sz="1200" dirty="0" err="1" smtClean="0"/>
+              <a:rPr lang="en-US" altLang="ko-KR" sz="1200" dirty="0" err="1"/>
               <a:t>enp0s3</a:t>
             </a:r>
-            <a:endParaRPr lang="en-US" altLang="ko-KR" sz="1200" dirty="0" smtClean="0"/>
+            <a:endParaRPr lang="en-US" altLang="ko-KR" sz="1200" dirty="0"/>
           </a:p>
           <a:p>
             <a:pPr algn="ctr"/>
             <a:r>
-              <a:rPr lang="en-US" altLang="ko-KR" sz="1200" dirty="0" smtClean="0"/>
+              <a:rPr lang="en-US" altLang="ko-KR" sz="1200" dirty="0"/>
               <a:t>10.0.0.11</a:t>
             </a:r>
           </a:p>
@@ -3696,15 +3664,15 @@
           <a:p>
             <a:pPr algn="ctr"/>
             <a:r>
-              <a:rPr lang="en-US" altLang="ko-KR" sz="1200" dirty="0" err="1" smtClean="0"/>
+              <a:rPr lang="en-US" altLang="ko-KR" sz="1200" dirty="0" err="1"/>
               <a:t>enp0s8</a:t>
             </a:r>
-            <a:endParaRPr lang="en-US" altLang="ko-KR" sz="1200" dirty="0" smtClean="0"/>
+            <a:endParaRPr lang="en-US" altLang="ko-KR" sz="1200" dirty="0"/>
           </a:p>
           <a:p>
             <a:pPr algn="ctr"/>
             <a:r>
-              <a:rPr lang="en-US" altLang="ko-KR" sz="1200" dirty="0" smtClean="0"/>
+              <a:rPr lang="en-US" altLang="ko-KR" sz="1200" dirty="0"/>
               <a:t>192.168.77.170</a:t>
             </a:r>
           </a:p>
@@ -3752,30 +3720,30 @@
           <a:p>
             <a:pPr algn="ctr"/>
             <a:r>
-              <a:rPr lang="en-US" altLang="ko-KR" sz="1200" dirty="0" smtClean="0"/>
+              <a:rPr lang="en-US" altLang="ko-KR" sz="1200" dirty="0"/>
               <a:t>/</a:t>
             </a:r>
             <a:r>
-              <a:rPr lang="en-US" altLang="ko-KR" sz="1200" dirty="0" err="1" smtClean="0"/>
+              <a:rPr lang="en-US" altLang="ko-KR" sz="1200" dirty="0" err="1"/>
               <a:t>dev</a:t>
             </a:r>
             <a:r>
-              <a:rPr lang="en-US" altLang="ko-KR" sz="1200" dirty="0" smtClean="0"/>
+              <a:rPr lang="en-US" altLang="ko-KR" sz="1200" dirty="0"/>
               <a:t>/</a:t>
             </a:r>
             <a:r>
-              <a:rPr lang="en-US" altLang="ko-KR" sz="1200" dirty="0" err="1" smtClean="0"/>
+              <a:rPr lang="en-US" altLang="ko-KR" sz="1200" dirty="0" err="1"/>
               <a:t>sda</a:t>
             </a:r>
             <a:r>
-              <a:rPr lang="en-US" altLang="ko-KR" sz="1200" dirty="0" smtClean="0"/>
+              <a:rPr lang="en-US" altLang="ko-KR" sz="1200" dirty="0"/>
               <a:t> </a:t>
             </a:r>
             <a:r>
-              <a:rPr lang="en-US" altLang="ko-KR" sz="1200" dirty="0" err="1" smtClean="0"/>
+              <a:rPr lang="en-US" altLang="ko-KR" sz="1200" dirty="0" err="1"/>
               <a:t>30G</a:t>
             </a:r>
-            <a:endParaRPr lang="en-US" altLang="ko-KR" sz="1200" dirty="0" smtClean="0"/>
+            <a:endParaRPr lang="en-US" altLang="ko-KR" sz="1200" dirty="0"/>
           </a:p>
         </p:txBody>
       </p:sp>
@@ -3817,34 +3785,30 @@
           <a:p>
             <a:pPr algn="ctr"/>
             <a:r>
-              <a:rPr lang="en-US" altLang="ko-KR" sz="1600" b="1" dirty="0" smtClean="0"/>
-              <a:t>Compute </a:t>
-            </a:r>
-            <a:r>
-              <a:rPr lang="en-US" altLang="ko-KR" sz="1600" b="1" dirty="0" smtClean="0"/>
-              <a:t>Node</a:t>
+              <a:rPr lang="en-US" altLang="ko-KR" sz="1600" b="1" dirty="0"/>
+              <a:t>Compute Node</a:t>
             </a:r>
           </a:p>
           <a:p>
             <a:pPr algn="ctr"/>
             <a:r>
-              <a:rPr lang="en-US" altLang="ko-KR" sz="1600" b="1" dirty="0" smtClean="0"/>
+              <a:rPr lang="en-US" altLang="ko-KR" sz="1600" b="1" dirty="0"/>
               <a:t>(</a:t>
             </a:r>
             <a:r>
-              <a:rPr lang="en-US" altLang="ko-KR" sz="1600" b="1" dirty="0" err="1" smtClean="0"/>
+              <a:rPr lang="en-US" altLang="ko-KR" sz="1600" b="1" dirty="0" err="1"/>
               <a:t>4vCPU</a:t>
             </a:r>
             <a:r>
-              <a:rPr lang="en-US" altLang="ko-KR" sz="1600" b="1" dirty="0" smtClean="0"/>
+              <a:rPr lang="en-US" altLang="ko-KR" sz="1600" b="1" dirty="0"/>
               <a:t>, </a:t>
             </a:r>
             <a:r>
-              <a:rPr lang="en-US" altLang="ko-KR" sz="1600" b="1" dirty="0" err="1" smtClean="0"/>
+              <a:rPr lang="en-US" altLang="ko-KR" sz="1600" b="1" dirty="0" err="1"/>
               <a:t>4096M</a:t>
             </a:r>
             <a:r>
-              <a:rPr lang="en-US" altLang="ko-KR" sz="1600" b="1" dirty="0" smtClean="0"/>
+              <a:rPr lang="en-US" altLang="ko-KR" sz="1600" b="1" dirty="0"/>
               <a:t>)</a:t>
             </a:r>
             <a:endParaRPr lang="ko-KR" altLang="en-US" sz="1400" dirty="0"/>
@@ -3889,15 +3853,15 @@
           <a:p>
             <a:pPr algn="ctr"/>
             <a:r>
-              <a:rPr lang="en-US" altLang="ko-KR" sz="1200" dirty="0" err="1" smtClean="0"/>
+              <a:rPr lang="en-US" altLang="ko-KR" sz="1200" dirty="0" err="1"/>
               <a:t>enp0s3</a:t>
             </a:r>
-            <a:endParaRPr lang="en-US" altLang="ko-KR" sz="1200" dirty="0" smtClean="0"/>
+            <a:endParaRPr lang="en-US" altLang="ko-KR" sz="1200" dirty="0"/>
           </a:p>
           <a:p>
             <a:pPr algn="ctr"/>
             <a:r>
-              <a:rPr lang="en-US" altLang="ko-KR" sz="1200" dirty="0" smtClean="0"/>
+              <a:rPr lang="en-US" altLang="ko-KR" sz="1200" dirty="0"/>
               <a:t>10.0.0.31</a:t>
             </a:r>
           </a:p>
@@ -3945,15 +3909,15 @@
           <a:p>
             <a:pPr algn="ctr"/>
             <a:r>
-              <a:rPr lang="en-US" altLang="ko-KR" sz="1200" dirty="0" err="1" smtClean="0"/>
+              <a:rPr lang="en-US" altLang="ko-KR" sz="1200" dirty="0" err="1"/>
               <a:t>enp0s8</a:t>
             </a:r>
-            <a:endParaRPr lang="en-US" altLang="ko-KR" sz="1200" dirty="0" smtClean="0"/>
+            <a:endParaRPr lang="en-US" altLang="ko-KR" sz="1200" dirty="0"/>
           </a:p>
           <a:p>
             <a:pPr algn="ctr"/>
             <a:r>
-              <a:rPr lang="en-US" altLang="ko-KR" sz="1200" dirty="0" smtClean="0"/>
+              <a:rPr lang="en-US" altLang="ko-KR" sz="1200" dirty="0"/>
               <a:t>192.168.77.180</a:t>
             </a:r>
           </a:p>
@@ -4001,30 +3965,30 @@
           <a:p>
             <a:pPr algn="ctr"/>
             <a:r>
-              <a:rPr lang="en-US" altLang="ko-KR" sz="1200" dirty="0" smtClean="0"/>
+              <a:rPr lang="en-US" altLang="ko-KR" sz="1200" dirty="0"/>
               <a:t>/</a:t>
             </a:r>
             <a:r>
-              <a:rPr lang="en-US" altLang="ko-KR" sz="1200" dirty="0" err="1" smtClean="0"/>
+              <a:rPr lang="en-US" altLang="ko-KR" sz="1200" dirty="0" err="1"/>
               <a:t>dev</a:t>
             </a:r>
             <a:r>
-              <a:rPr lang="en-US" altLang="ko-KR" sz="1200" dirty="0" smtClean="0"/>
+              <a:rPr lang="en-US" altLang="ko-KR" sz="1200" dirty="0"/>
               <a:t>/</a:t>
             </a:r>
             <a:r>
-              <a:rPr lang="en-US" altLang="ko-KR" sz="1200" dirty="0" err="1" smtClean="0"/>
+              <a:rPr lang="en-US" altLang="ko-KR" sz="1200" dirty="0" err="1"/>
               <a:t>sda</a:t>
             </a:r>
             <a:r>
-              <a:rPr lang="en-US" altLang="ko-KR" sz="1200" dirty="0" smtClean="0"/>
+              <a:rPr lang="en-US" altLang="ko-KR" sz="1200" dirty="0"/>
               <a:t> </a:t>
             </a:r>
             <a:r>
-              <a:rPr lang="en-US" altLang="ko-KR" sz="1200" dirty="0" err="1" smtClean="0"/>
+              <a:rPr lang="en-US" altLang="ko-KR" sz="1200" dirty="0" err="1"/>
               <a:t>30G</a:t>
             </a:r>
-            <a:endParaRPr lang="en-US" altLang="ko-KR" sz="1200" dirty="0" smtClean="0"/>
+            <a:endParaRPr lang="en-US" altLang="ko-KR" sz="1200" dirty="0"/>
           </a:p>
         </p:txBody>
       </p:sp>
@@ -4066,38 +4030,30 @@
           <a:p>
             <a:pPr algn="ctr"/>
             <a:r>
-              <a:rPr lang="en-US" altLang="ko-KR" sz="1600" b="1" dirty="0" smtClean="0"/>
-              <a:t>Storage </a:t>
-            </a:r>
-            <a:r>
-              <a:rPr lang="en-US" altLang="ko-KR" sz="1600" b="1" dirty="0" smtClean="0"/>
-              <a:t>Node</a:t>
+              <a:rPr lang="en-US" altLang="ko-KR" sz="1600" b="1" dirty="0"/>
+              <a:t>Storage Node</a:t>
             </a:r>
           </a:p>
           <a:p>
             <a:pPr algn="ctr"/>
             <a:r>
-              <a:rPr lang="en-US" altLang="ko-KR" sz="1600" b="1" dirty="0" smtClean="0"/>
+              <a:rPr lang="en-US" altLang="ko-KR" sz="1600" b="1" dirty="0"/>
               <a:t>(</a:t>
             </a:r>
             <a:r>
               <a:rPr lang="en-US" altLang="ko-KR" sz="1600" b="1" dirty="0" err="1"/>
-              <a:t>1</a:t>
-            </a:r>
-            <a:r>
-              <a:rPr lang="en-US" altLang="ko-KR" sz="1600" b="1" dirty="0" err="1" smtClean="0"/>
-              <a:t>vCPU</a:t>
-            </a:r>
-            <a:r>
-              <a:rPr lang="en-US" altLang="ko-KR" sz="1600" b="1" dirty="0" smtClean="0"/>
+              <a:t>1vCPU</a:t>
+            </a:r>
+            <a:r>
+              <a:rPr lang="en-US" altLang="ko-KR" sz="1600" b="1" dirty="0"/>
               <a:t>, </a:t>
             </a:r>
             <a:r>
-              <a:rPr lang="en-US" altLang="ko-KR" sz="1600" b="1" dirty="0" err="1" smtClean="0"/>
+              <a:rPr lang="en-US" altLang="ko-KR" sz="1600" b="1" dirty="0" err="1"/>
               <a:t>4096M</a:t>
             </a:r>
             <a:r>
-              <a:rPr lang="en-US" altLang="ko-KR" sz="1600" b="1" dirty="0" smtClean="0"/>
+              <a:rPr lang="en-US" altLang="ko-KR" sz="1600" b="1" dirty="0"/>
               <a:t>)</a:t>
             </a:r>
             <a:endParaRPr lang="ko-KR" altLang="en-US" sz="1400" dirty="0"/>
@@ -4142,15 +4098,15 @@
           <a:p>
             <a:pPr algn="ctr"/>
             <a:r>
-              <a:rPr lang="en-US" altLang="ko-KR" sz="1200" dirty="0" err="1" smtClean="0"/>
+              <a:rPr lang="en-US" altLang="ko-KR" sz="1200" dirty="0" err="1"/>
               <a:t>enp0s3</a:t>
             </a:r>
-            <a:endParaRPr lang="en-US" altLang="ko-KR" sz="1200" dirty="0" smtClean="0"/>
+            <a:endParaRPr lang="en-US" altLang="ko-KR" sz="1200" dirty="0"/>
           </a:p>
           <a:p>
             <a:pPr algn="ctr"/>
             <a:r>
-              <a:rPr lang="en-US" altLang="ko-KR" sz="1200" dirty="0" smtClean="0"/>
+              <a:rPr lang="en-US" altLang="ko-KR" sz="1200" dirty="0"/>
               <a:t>10.0.0.41</a:t>
             </a:r>
           </a:p>
@@ -4198,19 +4154,19 @@
           <a:p>
             <a:pPr algn="ctr"/>
             <a:r>
-              <a:rPr lang="en-US" altLang="ko-KR" sz="1200" dirty="0" smtClean="0"/>
+              <a:rPr lang="en-US" altLang="ko-KR" sz="1200" dirty="0"/>
               <a:t>/</a:t>
             </a:r>
             <a:r>
-              <a:rPr lang="en-US" altLang="ko-KR" sz="1200" dirty="0" err="1" smtClean="0"/>
+              <a:rPr lang="en-US" altLang="ko-KR" sz="1200" dirty="0" err="1"/>
               <a:t>dev</a:t>
             </a:r>
             <a:r>
-              <a:rPr lang="en-US" altLang="ko-KR" sz="1200" dirty="0" smtClean="0"/>
+              <a:rPr lang="en-US" altLang="ko-KR" sz="1200" dirty="0"/>
               <a:t>/</a:t>
             </a:r>
             <a:r>
-              <a:rPr lang="en-US" altLang="ko-KR" sz="1200" dirty="0" err="1" smtClean="0"/>
+              <a:rPr lang="en-US" altLang="ko-KR" sz="1200" dirty="0" err="1"/>
               <a:t>sda</a:t>
             </a:r>
             <a:r>
@@ -4218,10 +4174,10 @@
               <a:t> </a:t>
             </a:r>
             <a:r>
-              <a:rPr lang="en-US" altLang="ko-KR" sz="1200" dirty="0" err="1" smtClean="0"/>
+              <a:rPr lang="en-US" altLang="ko-KR" sz="1200" dirty="0" err="1"/>
               <a:t>30G</a:t>
             </a:r>
-            <a:endParaRPr lang="en-US" altLang="ko-KR" sz="1200" dirty="0" smtClean="0"/>
+            <a:endParaRPr lang="en-US" altLang="ko-KR" sz="1200" dirty="0"/>
           </a:p>
         </p:txBody>
       </p:sp>
@@ -4263,34 +4219,30 @@
           <a:p>
             <a:pPr algn="ctr"/>
             <a:r>
-              <a:rPr lang="en-US" altLang="ko-KR" sz="1200" dirty="0" smtClean="0"/>
+              <a:rPr lang="en-US" altLang="ko-KR" sz="1200" dirty="0"/>
               <a:t>/</a:t>
             </a:r>
             <a:r>
-              <a:rPr lang="en-US" altLang="ko-KR" sz="1200" dirty="0" err="1" smtClean="0"/>
+              <a:rPr lang="en-US" altLang="ko-KR" sz="1200" dirty="0" err="1"/>
               <a:t>dev</a:t>
             </a:r>
             <a:r>
-              <a:rPr lang="en-US" altLang="ko-KR" sz="1200" dirty="0" smtClean="0"/>
+              <a:rPr lang="en-US" altLang="ko-KR" sz="1200" dirty="0"/>
               <a:t>/</a:t>
             </a:r>
             <a:r>
-              <a:rPr lang="en-US" altLang="ko-KR" sz="1200" dirty="0" err="1" smtClean="0"/>
+              <a:rPr lang="en-US" altLang="ko-KR" sz="1200" dirty="0" err="1"/>
               <a:t>sdb</a:t>
             </a:r>
             <a:r>
-              <a:rPr lang="en-US" altLang="ko-KR" sz="1200" dirty="0" smtClean="0"/>
+              <a:rPr lang="en-US" altLang="ko-KR" sz="1200" dirty="0"/>
               <a:t> </a:t>
             </a:r>
             <a:r>
               <a:rPr lang="en-US" altLang="ko-KR" sz="1200" dirty="0" err="1"/>
-              <a:t>5</a:t>
-            </a:r>
-            <a:r>
-              <a:rPr lang="en-US" altLang="ko-KR" sz="1200" dirty="0" err="1" smtClean="0"/>
-              <a:t>0G</a:t>
-            </a:r>
-            <a:endParaRPr lang="en-US" altLang="ko-KR" sz="1200" dirty="0" smtClean="0"/>
+              <a:t>50G</a:t>
+            </a:r>
+            <a:endParaRPr lang="en-US" altLang="ko-KR" sz="1200" dirty="0"/>
           </a:p>
         </p:txBody>
       </p:sp>
@@ -4332,15 +4284,14 @@
           <a:p>
             <a:pPr algn="ctr"/>
             <a:r>
-              <a:rPr lang="en-US" altLang="ko-KR" sz="1200" dirty="0" smtClean="0"/>
+              <a:rPr lang="en-US" altLang="ko-KR" sz="1200" dirty="0"/>
               <a:t>NAT (Virtual Box)</a:t>
             </a:r>
-            <a:endParaRPr lang="en-US" altLang="ko-KR" sz="1200" dirty="0" smtClean="0"/>
           </a:p>
           <a:p>
             <a:pPr algn="ctr"/>
             <a:r>
-              <a:rPr lang="en-US" altLang="ko-KR" sz="1200" dirty="0" smtClean="0"/>
+              <a:rPr lang="en-US" altLang="ko-KR" sz="1200" dirty="0"/>
               <a:t>10.0.0.0/24</a:t>
             </a:r>
           </a:p>
@@ -4384,17 +4335,16 @@
           <a:p>
             <a:pPr algn="ctr"/>
             <a:r>
-              <a:rPr lang="en-US" altLang="ko-KR" sz="1200" dirty="0" smtClean="0"/>
+              <a:rPr lang="en-US" altLang="ko-KR" sz="1200" dirty="0"/>
               <a:t>Router</a:t>
             </a:r>
           </a:p>
           <a:p>
             <a:pPr algn="ctr"/>
             <a:r>
-              <a:rPr lang="en-US" altLang="ko-KR" sz="1200" dirty="0" smtClean="0"/>
+              <a:rPr lang="en-US" altLang="ko-KR" sz="1200" dirty="0"/>
               <a:t>192.168.77.0/24</a:t>
             </a:r>
-            <a:endParaRPr lang="en-US" altLang="ko-KR" sz="1200" dirty="0" smtClean="0"/>
           </a:p>
         </p:txBody>
       </p:sp>
@@ -4701,7 +4651,7 @@
           <a:p>
             <a:pPr algn="ctr"/>
             <a:r>
-              <a:rPr lang="en-US" altLang="ko-KR" sz="1600" b="1" dirty="0" smtClean="0"/>
+              <a:rPr lang="en-US" altLang="ko-KR" sz="1600" b="1" dirty="0"/>
               <a:t>PC – Web Browser</a:t>
             </a:r>
             <a:endParaRPr lang="ko-KR" altLang="en-US" sz="1400" dirty="0"/>
@@ -4792,10 +4742,9 @@
           <a:p>
             <a:pPr algn="ctr"/>
             <a:r>
-              <a:rPr lang="en-US" altLang="ko-KR" sz="1200" dirty="0" smtClean="0"/>
+              <a:rPr lang="en-US" altLang="ko-KR" sz="1200" dirty="0"/>
               <a:t>192.168.77.50</a:t>
             </a:r>
-            <a:endParaRPr lang="en-US" altLang="ko-KR" sz="1200" dirty="0" smtClean="0"/>
           </a:p>
           <a:p>
             <a:pPr algn="ctr"/>
@@ -4813,13 +4762,6 @@
   <p:clrMapOvr>
     <a:masterClrMapping/>
   </p:clrMapOvr>
-  <p:timing>
-    <p:tnLst>
-      <p:par>
-        <p:cTn id="1" dur="indefinite" restart="never" nodeType="tmRoot"/>
-      </p:par>
-    </p:tnLst>
-  </p:timing>
 </p:sld>
 </file>
 
